--- a/Presentations/Sprint3Powerpoint.pptx
+++ b/Presentations/Sprint3Powerpoint.pptx
@@ -3635,6 +3635,30 @@
           </a:prstGeom>
         </p:spPr>
       </p:pic>
+      <p:pic>
+        <p:nvPicPr>
+          <p:cNvPr id="5" name="Picture 4"/>
+          <p:cNvPicPr>
+            <a:picLocks noChangeAspect="1"/>
+          </p:cNvPicPr>
+          <p:nvPr/>
+        </p:nvPicPr>
+        <p:blipFill>
+          <a:blip r:embed="rId3"/>
+          <a:stretch>
+            <a:fillRect/>
+          </a:stretch>
+        </p:blipFill>
+        <p:spPr>
+          <a:xfrm>
+            <a:off x="11000096" y="17216"/>
+            <a:ext cx="1191904" cy="1471486"/>
+          </a:xfrm>
+          <a:prstGeom prst="rect">
+            <a:avLst/>
+          </a:prstGeom>
+        </p:spPr>
+      </p:pic>
     </p:spTree>
     <p:extLst>
       <p:ext uri="{BB962C8B-B14F-4D97-AF65-F5344CB8AC3E}">

--- a/Presentations/Sprint3Powerpoint.pptx
+++ b/Presentations/Sprint3Powerpoint.pptx
@@ -9,7 +9,6 @@
     <p:sldId id="260" r:id="rId3"/>
     <p:sldId id="258" r:id="rId4"/>
     <p:sldId id="263" r:id="rId5"/>
-    <p:sldId id="262" r:id="rId6"/>
   </p:sldIdLst>
   <p:sldSz cx="12192000" cy="6858000"/>
   <p:notesSz cx="6858000" cy="9144000"/>
@@ -3229,6 +3228,13 @@
   <p:clrMapOvr>
     <a:masterClrMapping/>
   </p:clrMapOvr>
+  <p:timing>
+    <p:tnLst>
+      <p:par>
+        <p:cTn id="1" dur="indefinite" restart="never" nodeType="tmRoot"/>
+      </p:par>
+    </p:tnLst>
+  </p:timing>
 </p:sld>
 </file>
 
@@ -3568,6 +3574,13 @@
   <p:clrMapOvr>
     <a:masterClrMapping/>
   </p:clrMapOvr>
+  <p:timing>
+    <p:tnLst>
+      <p:par>
+        <p:cTn id="1" dur="indefinite" restart="never" nodeType="tmRoot"/>
+      </p:par>
+    </p:tnLst>
+  </p:timing>
 </p:sld>
 </file>
 
@@ -3605,7 +3618,7 @@
           <a:p>
             <a:r>
               <a:rPr lang="en-US" dirty="0" smtClean="0"/>
-              <a:t>New Login Screen</a:t>
+              <a:t>Design</a:t>
             </a:r>
             <a:endParaRPr lang="en-US" dirty="0"/>
           </a:p>
@@ -3627,8 +3640,8 @@
         </p:blipFill>
         <p:spPr>
           <a:xfrm>
-            <a:off x="1618019" y="1514901"/>
-            <a:ext cx="8430354" cy="5669413"/>
+            <a:off x="0" y="2210939"/>
+            <a:ext cx="5983850" cy="4024139"/>
           </a:xfrm>
           <a:prstGeom prst="rect">
             <a:avLst/>
@@ -3659,6 +3672,29 @@
           </a:prstGeom>
         </p:spPr>
       </p:pic>
+      <p:pic>
+        <p:nvPicPr>
+          <p:cNvPr id="6" name="Picture 5"/>
+          <p:cNvPicPr>
+            <a:picLocks noChangeAspect="1"/>
+          </p:cNvPicPr>
+          <p:nvPr/>
+        </p:nvPicPr>
+        <p:blipFill rotWithShape="1">
+          <a:blip r:embed="rId4"/>
+          <a:srcRect l="776" t="682" r="679" b="2067"/>
+          <a:stretch/>
+        </p:blipFill>
+        <p:spPr>
+          <a:xfrm>
+            <a:off x="5936958" y="2210939"/>
+            <a:ext cx="6255042" cy="3712191"/>
+          </a:xfrm>
+          <a:prstGeom prst="rect">
+            <a:avLst/>
+          </a:prstGeom>
+        </p:spPr>
+      </p:pic>
     </p:spTree>
     <p:extLst>
       <p:ext uri="{BB962C8B-B14F-4D97-AF65-F5344CB8AC3E}">
@@ -3669,107 +3705,13 @@
   <p:clrMapOvr>
     <a:masterClrMapping/>
   </p:clrMapOvr>
-</p:sld>
-</file>
-
-<file path=ppt/slides/slide5.xml><?xml version="1.0" encoding="utf-8"?>
-<p:sld xmlns:a="http://schemas.openxmlformats.org/drawingml/2006/main" xmlns:r="http://schemas.openxmlformats.org/officeDocument/2006/relationships" xmlns:p="http://schemas.openxmlformats.org/presentationml/2006/main">
-  <p:cSld>
-    <p:spTree>
-      <p:nvGrpSpPr>
-        <p:cNvPr id="1" name=""/>
-        <p:cNvGrpSpPr/>
-        <p:nvPr/>
-      </p:nvGrpSpPr>
-      <p:grpSpPr>
-        <a:xfrm>
-          <a:off x="0" y="0"/>
-          <a:ext cx="0" cy="0"/>
-          <a:chOff x="0" y="0"/>
-          <a:chExt cx="0" cy="0"/>
-        </a:xfrm>
-      </p:grpSpPr>
-      <p:sp>
-        <p:nvSpPr>
-          <p:cNvPr id="2" name="Title 1"/>
-          <p:cNvSpPr>
-            <a:spLocks noGrp="1"/>
-          </p:cNvSpPr>
-          <p:nvPr>
-            <p:ph type="title"/>
-          </p:nvPr>
-        </p:nvSpPr>
-        <p:spPr/>
-        <p:txBody>
-          <a:bodyPr/>
-          <a:lstStyle/>
-          <a:p>
-            <a:r>
-              <a:rPr lang="en-US" dirty="0" smtClean="0"/>
-              <a:t>Future Design</a:t>
-            </a:r>
-            <a:endParaRPr lang="en-US" dirty="0"/>
-          </a:p>
-        </p:txBody>
-      </p:sp>
-      <p:pic>
-        <p:nvPicPr>
-          <p:cNvPr id="5" name="Picture 4"/>
-          <p:cNvPicPr>
-            <a:picLocks noChangeAspect="1"/>
-          </p:cNvPicPr>
-          <p:nvPr/>
-        </p:nvPicPr>
-        <p:blipFill>
-          <a:blip r:embed="rId2"/>
-          <a:stretch>
-            <a:fillRect/>
-          </a:stretch>
-        </p:blipFill>
-        <p:spPr>
-          <a:xfrm>
-            <a:off x="11000096" y="17216"/>
-            <a:ext cx="1191904" cy="1471486"/>
-          </a:xfrm>
-          <a:prstGeom prst="rect">
-            <a:avLst/>
-          </a:prstGeom>
-        </p:spPr>
-      </p:pic>
-      <p:pic>
-        <p:nvPicPr>
-          <p:cNvPr id="3" name="Picture 2"/>
-          <p:cNvPicPr>
-            <a:picLocks noChangeAspect="1"/>
-          </p:cNvPicPr>
-          <p:nvPr/>
-        </p:nvPicPr>
-        <p:blipFill>
-          <a:blip r:embed="rId3"/>
-          <a:stretch>
-            <a:fillRect/>
-          </a:stretch>
-        </p:blipFill>
-        <p:spPr>
-          <a:xfrm>
-            <a:off x="1428750" y="1244600"/>
-            <a:ext cx="9334500" cy="5613400"/>
-          </a:xfrm>
-          <a:prstGeom prst="rect">
-            <a:avLst/>
-          </a:prstGeom>
-        </p:spPr>
-      </p:pic>
-    </p:spTree>
-    <p:extLst>
-      <p:ext uri="{BB962C8B-B14F-4D97-AF65-F5344CB8AC3E}">
-        <p14:creationId xmlns:p14="http://schemas.microsoft.com/office/powerpoint/2010/main" val="1795282814"/>
-      </p:ext>
-    </p:extLst>
-  </p:cSld>
-  <p:clrMapOvr>
-    <a:masterClrMapping/>
-  </p:clrMapOvr>
+  <p:timing>
+    <p:tnLst>
+      <p:par>
+        <p:cTn id="1" dur="indefinite" restart="never" nodeType="tmRoot"/>
+      </p:par>
+    </p:tnLst>
+  </p:timing>
 </p:sld>
 </file>
 
